--- a/week_6/Classes and Objects.pptx
+++ b/week_6/Classes and Objects.pptx
@@ -210,7 +210,7 @@
           <a:p>
             <a:fld id="{F666E1FD-E7A0-497B-BBC0-740BAAC97C64}" type="datetimeFigureOut">
               <a:rPr lang="en-PH" smtClean="0"/>
-              <a:t>16/01/2023</a:t>
+              <a:t>17/01/2023</a:t>
             </a:fld>
             <a:endParaRPr lang="en-PH"/>
           </a:p>
@@ -606,58 +606,6 @@
           <a:bodyPr/>
           <a:lstStyle/>
           <a:p>
-            <a:r>
-              <a:rPr lang="en-US" b="0" i="0" dirty="0">
-                <a:solidFill>
-                  <a:srgbClr val="000000"/>
-                </a:solidFill>
-                <a:effectLst/>
-                <a:latin typeface="Charter"/>
-              </a:rPr>
-              <a:t>Have you asked yourself the question, why do people organize?</a:t>
-            </a:r>
-          </a:p>
-          <a:p>
-            <a:endParaRPr lang="en-US" b="0" i="0" dirty="0">
-              <a:solidFill>
-                <a:srgbClr val="000000"/>
-              </a:solidFill>
-              <a:effectLst/>
-              <a:latin typeface="Charter"/>
-            </a:endParaRPr>
-          </a:p>
-          <a:p>
-            <a:r>
-              <a:rPr lang="en-US" b="0" i="0" dirty="0">
-                <a:solidFill>
-                  <a:srgbClr val="000000"/>
-                </a:solidFill>
-                <a:effectLst/>
-                <a:latin typeface="Charter"/>
-              </a:rPr>
-              <a:t>Lets go to the psychology of organizing</a:t>
-            </a:r>
-          </a:p>
-          <a:p>
-            <a:endParaRPr lang="en-US" b="0" i="0" dirty="0">
-              <a:solidFill>
-                <a:srgbClr val="000000"/>
-              </a:solidFill>
-              <a:effectLst/>
-              <a:latin typeface="Charter"/>
-            </a:endParaRPr>
-          </a:p>
-          <a:p>
-            <a:r>
-              <a:rPr lang="en-US" b="0" i="0" dirty="0">
-                <a:solidFill>
-                  <a:srgbClr val="000000"/>
-                </a:solidFill>
-                <a:effectLst/>
-                <a:latin typeface="Charter"/>
-              </a:rPr>
-              <a:t>This predictability applies within the context of our homes, manifesting through the concept of organization</a:t>
-            </a:r>
             <a:endParaRPr lang="en-PH" dirty="0"/>
           </a:p>
         </p:txBody>
@@ -742,58 +690,6 @@
           <a:bodyPr/>
           <a:lstStyle/>
           <a:p>
-            <a:r>
-              <a:rPr lang="en-US" b="0" i="0" dirty="0">
-                <a:solidFill>
-                  <a:srgbClr val="000000"/>
-                </a:solidFill>
-                <a:effectLst/>
-                <a:latin typeface="Charter"/>
-              </a:rPr>
-              <a:t>Have you asked yourself the question, why do people organize?</a:t>
-            </a:r>
-          </a:p>
-          <a:p>
-            <a:endParaRPr lang="en-US" b="0" i="0" dirty="0">
-              <a:solidFill>
-                <a:srgbClr val="000000"/>
-              </a:solidFill>
-              <a:effectLst/>
-              <a:latin typeface="Charter"/>
-            </a:endParaRPr>
-          </a:p>
-          <a:p>
-            <a:r>
-              <a:rPr lang="en-US" b="0" i="0" dirty="0">
-                <a:solidFill>
-                  <a:srgbClr val="000000"/>
-                </a:solidFill>
-                <a:effectLst/>
-                <a:latin typeface="Charter"/>
-              </a:rPr>
-              <a:t>Lets go to the psychology of organizing</a:t>
-            </a:r>
-          </a:p>
-          <a:p>
-            <a:endParaRPr lang="en-US" b="0" i="0" dirty="0">
-              <a:solidFill>
-                <a:srgbClr val="000000"/>
-              </a:solidFill>
-              <a:effectLst/>
-              <a:latin typeface="Charter"/>
-            </a:endParaRPr>
-          </a:p>
-          <a:p>
-            <a:r>
-              <a:rPr lang="en-US" b="0" i="0" dirty="0">
-                <a:solidFill>
-                  <a:srgbClr val="000000"/>
-                </a:solidFill>
-                <a:effectLst/>
-                <a:latin typeface="Charter"/>
-              </a:rPr>
-              <a:t>This predictability applies within the context of our homes, manifesting through the concept of organization</a:t>
-            </a:r>
             <a:endParaRPr lang="en-PH" dirty="0"/>
           </a:p>
         </p:txBody>
@@ -878,58 +774,6 @@
           <a:bodyPr/>
           <a:lstStyle/>
           <a:p>
-            <a:r>
-              <a:rPr lang="en-US" b="0" i="0" dirty="0">
-                <a:solidFill>
-                  <a:srgbClr val="000000"/>
-                </a:solidFill>
-                <a:effectLst/>
-                <a:latin typeface="Charter"/>
-              </a:rPr>
-              <a:t>Have you asked yourself the question, why do people organize?</a:t>
-            </a:r>
-          </a:p>
-          <a:p>
-            <a:endParaRPr lang="en-US" b="0" i="0" dirty="0">
-              <a:solidFill>
-                <a:srgbClr val="000000"/>
-              </a:solidFill>
-              <a:effectLst/>
-              <a:latin typeface="Charter"/>
-            </a:endParaRPr>
-          </a:p>
-          <a:p>
-            <a:r>
-              <a:rPr lang="en-US" b="0" i="0" dirty="0">
-                <a:solidFill>
-                  <a:srgbClr val="000000"/>
-                </a:solidFill>
-                <a:effectLst/>
-                <a:latin typeface="Charter"/>
-              </a:rPr>
-              <a:t>Lets go to the psychology of organizing</a:t>
-            </a:r>
-          </a:p>
-          <a:p>
-            <a:endParaRPr lang="en-US" b="0" i="0" dirty="0">
-              <a:solidFill>
-                <a:srgbClr val="000000"/>
-              </a:solidFill>
-              <a:effectLst/>
-              <a:latin typeface="Charter"/>
-            </a:endParaRPr>
-          </a:p>
-          <a:p>
-            <a:r>
-              <a:rPr lang="en-US" b="0" i="0" dirty="0">
-                <a:solidFill>
-                  <a:srgbClr val="000000"/>
-                </a:solidFill>
-                <a:effectLst/>
-                <a:latin typeface="Charter"/>
-              </a:rPr>
-              <a:t>This predictability applies within the context of our homes, manifesting through the concept of organization</a:t>
-            </a:r>
             <a:endParaRPr lang="en-PH" dirty="0"/>
           </a:p>
         </p:txBody>
@@ -1014,58 +858,6 @@
           <a:bodyPr/>
           <a:lstStyle/>
           <a:p>
-            <a:r>
-              <a:rPr lang="en-US" b="0" i="0" dirty="0">
-                <a:solidFill>
-                  <a:srgbClr val="000000"/>
-                </a:solidFill>
-                <a:effectLst/>
-                <a:latin typeface="Charter"/>
-              </a:rPr>
-              <a:t>Have you asked yourself the question, why do people organize?</a:t>
-            </a:r>
-          </a:p>
-          <a:p>
-            <a:endParaRPr lang="en-US" b="0" i="0" dirty="0">
-              <a:solidFill>
-                <a:srgbClr val="000000"/>
-              </a:solidFill>
-              <a:effectLst/>
-              <a:latin typeface="Charter"/>
-            </a:endParaRPr>
-          </a:p>
-          <a:p>
-            <a:r>
-              <a:rPr lang="en-US" b="0" i="0" dirty="0">
-                <a:solidFill>
-                  <a:srgbClr val="000000"/>
-                </a:solidFill>
-                <a:effectLst/>
-                <a:latin typeface="Charter"/>
-              </a:rPr>
-              <a:t>Lets go to the psychology of organizing</a:t>
-            </a:r>
-          </a:p>
-          <a:p>
-            <a:endParaRPr lang="en-US" b="0" i="0" dirty="0">
-              <a:solidFill>
-                <a:srgbClr val="000000"/>
-              </a:solidFill>
-              <a:effectLst/>
-              <a:latin typeface="Charter"/>
-            </a:endParaRPr>
-          </a:p>
-          <a:p>
-            <a:r>
-              <a:rPr lang="en-US" b="0" i="0" dirty="0">
-                <a:solidFill>
-                  <a:srgbClr val="000000"/>
-                </a:solidFill>
-                <a:effectLst/>
-                <a:latin typeface="Charter"/>
-              </a:rPr>
-              <a:t>This predictability applies within the context of our homes, manifesting through the concept of organization</a:t>
-            </a:r>
             <a:endParaRPr lang="en-PH" dirty="0"/>
           </a:p>
         </p:txBody>
@@ -1150,58 +942,6 @@
           <a:bodyPr/>
           <a:lstStyle/>
           <a:p>
-            <a:r>
-              <a:rPr lang="en-US" b="0" i="0" dirty="0">
-                <a:solidFill>
-                  <a:srgbClr val="000000"/>
-                </a:solidFill>
-                <a:effectLst/>
-                <a:latin typeface="Charter"/>
-              </a:rPr>
-              <a:t>Have you asked yourself the question, why do people organize?</a:t>
-            </a:r>
-          </a:p>
-          <a:p>
-            <a:endParaRPr lang="en-US" b="0" i="0" dirty="0">
-              <a:solidFill>
-                <a:srgbClr val="000000"/>
-              </a:solidFill>
-              <a:effectLst/>
-              <a:latin typeface="Charter"/>
-            </a:endParaRPr>
-          </a:p>
-          <a:p>
-            <a:r>
-              <a:rPr lang="en-US" b="0" i="0" dirty="0">
-                <a:solidFill>
-                  <a:srgbClr val="000000"/>
-                </a:solidFill>
-                <a:effectLst/>
-                <a:latin typeface="Charter"/>
-              </a:rPr>
-              <a:t>Lets go to the psychology of organizing</a:t>
-            </a:r>
-          </a:p>
-          <a:p>
-            <a:endParaRPr lang="en-US" b="0" i="0" dirty="0">
-              <a:solidFill>
-                <a:srgbClr val="000000"/>
-              </a:solidFill>
-              <a:effectLst/>
-              <a:latin typeface="Charter"/>
-            </a:endParaRPr>
-          </a:p>
-          <a:p>
-            <a:r>
-              <a:rPr lang="en-US" b="0" i="0" dirty="0">
-                <a:solidFill>
-                  <a:srgbClr val="000000"/>
-                </a:solidFill>
-                <a:effectLst/>
-                <a:latin typeface="Charter"/>
-              </a:rPr>
-              <a:t>This predictability applies within the context of our homes, manifesting through the concept of organization</a:t>
-            </a:r>
             <a:endParaRPr lang="en-PH" dirty="0"/>
           </a:p>
         </p:txBody>
@@ -1391,7 +1131,7 @@
           <a:p>
             <a:fld id="{0CCF0B81-6BD8-4C65-9459-815598C5F1F4}" type="datetimeFigureOut">
               <a:rPr lang="en-PH" smtClean="0"/>
-              <a:t>16/01/2023</a:t>
+              <a:t>17/01/2023</a:t>
             </a:fld>
             <a:endParaRPr lang="en-PH"/>
           </a:p>
@@ -1591,7 +1331,7 @@
           <a:p>
             <a:fld id="{0CCF0B81-6BD8-4C65-9459-815598C5F1F4}" type="datetimeFigureOut">
               <a:rPr lang="en-PH" smtClean="0"/>
-              <a:t>16/01/2023</a:t>
+              <a:t>17/01/2023</a:t>
             </a:fld>
             <a:endParaRPr lang="en-PH"/>
           </a:p>
@@ -1801,7 +1541,7 @@
           <a:p>
             <a:fld id="{0CCF0B81-6BD8-4C65-9459-815598C5F1F4}" type="datetimeFigureOut">
               <a:rPr lang="en-PH" smtClean="0"/>
-              <a:t>16/01/2023</a:t>
+              <a:t>17/01/2023</a:t>
             </a:fld>
             <a:endParaRPr lang="en-PH"/>
           </a:p>
@@ -2001,7 +1741,7 @@
           <a:p>
             <a:fld id="{0CCF0B81-6BD8-4C65-9459-815598C5F1F4}" type="datetimeFigureOut">
               <a:rPr lang="en-PH" smtClean="0"/>
-              <a:t>16/01/2023</a:t>
+              <a:t>17/01/2023</a:t>
             </a:fld>
             <a:endParaRPr lang="en-PH"/>
           </a:p>
@@ -2277,7 +2017,7 @@
           <a:p>
             <a:fld id="{0CCF0B81-6BD8-4C65-9459-815598C5F1F4}" type="datetimeFigureOut">
               <a:rPr lang="en-PH" smtClean="0"/>
-              <a:t>16/01/2023</a:t>
+              <a:t>17/01/2023</a:t>
             </a:fld>
             <a:endParaRPr lang="en-PH"/>
           </a:p>
@@ -2545,7 +2285,7 @@
           <a:p>
             <a:fld id="{0CCF0B81-6BD8-4C65-9459-815598C5F1F4}" type="datetimeFigureOut">
               <a:rPr lang="en-PH" smtClean="0"/>
-              <a:t>16/01/2023</a:t>
+              <a:t>17/01/2023</a:t>
             </a:fld>
             <a:endParaRPr lang="en-PH"/>
           </a:p>
@@ -2960,7 +2700,7 @@
           <a:p>
             <a:fld id="{0CCF0B81-6BD8-4C65-9459-815598C5F1F4}" type="datetimeFigureOut">
               <a:rPr lang="en-PH" smtClean="0"/>
-              <a:t>16/01/2023</a:t>
+              <a:t>17/01/2023</a:t>
             </a:fld>
             <a:endParaRPr lang="en-PH"/>
           </a:p>
@@ -3102,7 +2842,7 @@
           <a:p>
             <a:fld id="{0CCF0B81-6BD8-4C65-9459-815598C5F1F4}" type="datetimeFigureOut">
               <a:rPr lang="en-PH" smtClean="0"/>
-              <a:t>16/01/2023</a:t>
+              <a:t>17/01/2023</a:t>
             </a:fld>
             <a:endParaRPr lang="en-PH"/>
           </a:p>
@@ -3215,7 +2955,7 @@
           <a:p>
             <a:fld id="{0CCF0B81-6BD8-4C65-9459-815598C5F1F4}" type="datetimeFigureOut">
               <a:rPr lang="en-PH" smtClean="0"/>
-              <a:t>16/01/2023</a:t>
+              <a:t>17/01/2023</a:t>
             </a:fld>
             <a:endParaRPr lang="en-PH"/>
           </a:p>
@@ -3528,7 +3268,7 @@
           <a:p>
             <a:fld id="{0CCF0B81-6BD8-4C65-9459-815598C5F1F4}" type="datetimeFigureOut">
               <a:rPr lang="en-PH" smtClean="0"/>
-              <a:t>16/01/2023</a:t>
+              <a:t>17/01/2023</a:t>
             </a:fld>
             <a:endParaRPr lang="en-PH"/>
           </a:p>
@@ -3817,7 +3557,7 @@
           <a:p>
             <a:fld id="{0CCF0B81-6BD8-4C65-9459-815598C5F1F4}" type="datetimeFigureOut">
               <a:rPr lang="en-PH" smtClean="0"/>
-              <a:t>16/01/2023</a:t>
+              <a:t>17/01/2023</a:t>
             </a:fld>
             <a:endParaRPr lang="en-PH"/>
           </a:p>
@@ -4060,7 +3800,7 @@
           <a:p>
             <a:fld id="{0CCF0B81-6BD8-4C65-9459-815598C5F1F4}" type="datetimeFigureOut">
               <a:rPr lang="en-PH" smtClean="0"/>
-              <a:t>16/01/2023</a:t>
+              <a:t>17/01/2023</a:t>
             </a:fld>
             <a:endParaRPr lang="en-PH"/>
           </a:p>
@@ -5968,10 +5708,10 @@
       </p:sp>
       <p:sp>
         <p:nvSpPr>
-          <p:cNvPr id="7" name="TextBox 6">
-            <a:extLst>
-              <a:ext uri="{FF2B5EF4-FFF2-40B4-BE49-F238E27FC236}">
-                <a16:creationId xmlns:a16="http://schemas.microsoft.com/office/drawing/2014/main" id="{9ADEA570-FF3A-93E3-554B-B36164415D90}"/>
+          <p:cNvPr id="9" name="TextBox 8">
+            <a:extLst>
+              <a:ext uri="{FF2B5EF4-FFF2-40B4-BE49-F238E27FC236}">
+                <a16:creationId xmlns:a16="http://schemas.microsoft.com/office/drawing/2014/main" id="{32858D8B-8E8E-0BAB-E6B4-E5A558D655B4}"/>
               </a:ext>
             </a:extLst>
           </p:cNvPr>
@@ -5980,45 +5720,7 @@
         </p:nvSpPr>
         <p:spPr>
           <a:xfrm>
-            <a:off x="5552179" y="1685018"/>
-            <a:ext cx="678256" cy="553998"/>
-          </a:xfrm>
-          <a:prstGeom prst="rect">
-            <a:avLst/>
-          </a:prstGeom>
-          <a:noFill/>
-        </p:spPr>
-        <p:txBody>
-          <a:bodyPr wrap="square" rtlCol="0">
-            <a:spAutoFit/>
-          </a:bodyPr>
-          <a:lstStyle/>
-          <a:p>
-            <a:r>
-              <a:rPr lang="en-PH" sz="3000" dirty="0">
-                <a:latin typeface="Consolas" panose="020B0609020204030204" pitchFamily="49" charset="0"/>
-              </a:rPr>
-              <a:t>()</a:t>
-            </a:r>
-            <a:endParaRPr lang="en-PH" sz="3000" dirty="0"/>
-          </a:p>
-        </p:txBody>
-      </p:sp>
-      <p:sp>
-        <p:nvSpPr>
-          <p:cNvPr id="9" name="TextBox 8">
-            <a:extLst>
-              <a:ext uri="{FF2B5EF4-FFF2-40B4-BE49-F238E27FC236}">
-                <a16:creationId xmlns:a16="http://schemas.microsoft.com/office/drawing/2014/main" id="{32858D8B-8E8E-0BAB-E6B4-E5A558D655B4}"/>
-              </a:ext>
-            </a:extLst>
-          </p:cNvPr>
-          <p:cNvSpPr txBox="1"/>
-          <p:nvPr/>
-        </p:nvSpPr>
-        <p:spPr>
-          <a:xfrm>
-            <a:off x="6096000" y="1685018"/>
+            <a:off x="5564203" y="1711565"/>
             <a:ext cx="376433" cy="553998"/>
           </a:xfrm>
           <a:prstGeom prst="rect">
@@ -6273,7 +5975,7 @@
                             </p:stCondLst>
                             <p:childTnLst>
                               <p:par>
-                                <p:cTn id="15" presetID="14" presetClass="entr" presetSubtype="10" fill="hold" grpId="0" nodeType="clickEffect">
+                                <p:cTn id="15" presetID="42" presetClass="entr" presetSubtype="0" fill="hold" grpId="0" nodeType="clickEffect">
                                   <p:stCondLst>
                                     <p:cond delay="0"/>
                                   </p:stCondLst>
@@ -6281,59 +5983,6 @@
                                     <p:set>
                                       <p:cBhvr>
                                         <p:cTn id="16" dur="1" fill="hold">
-                                          <p:stCondLst>
-                                            <p:cond delay="0"/>
-                                          </p:stCondLst>
-                                        </p:cTn>
-                                        <p:tgtEl>
-                                          <p:spTgt spid="7"/>
-                                        </p:tgtEl>
-                                        <p:attrNameLst>
-                                          <p:attrName>style.visibility</p:attrName>
-                                        </p:attrNameLst>
-                                      </p:cBhvr>
-                                      <p:to>
-                                        <p:strVal val="visible"/>
-                                      </p:to>
-                                    </p:set>
-                                    <p:animEffect transition="in" filter="randombar(horizontal)">
-                                      <p:cBhvr>
-                                        <p:cTn id="17" dur="500"/>
-                                        <p:tgtEl>
-                                          <p:spTgt spid="7"/>
-                                        </p:tgtEl>
-                                      </p:cBhvr>
-                                    </p:animEffect>
-                                  </p:childTnLst>
-                                </p:cTn>
-                              </p:par>
-                            </p:childTnLst>
-                          </p:cTn>
-                        </p:par>
-                      </p:childTnLst>
-                    </p:cTn>
-                  </p:par>
-                  <p:par>
-                    <p:cTn id="18" fill="hold">
-                      <p:stCondLst>
-                        <p:cond delay="indefinite"/>
-                      </p:stCondLst>
-                      <p:childTnLst>
-                        <p:par>
-                          <p:cTn id="19" fill="hold">
-                            <p:stCondLst>
-                              <p:cond delay="0"/>
-                            </p:stCondLst>
-                            <p:childTnLst>
-                              <p:par>
-                                <p:cTn id="20" presetID="42" presetClass="entr" presetSubtype="0" fill="hold" grpId="0" nodeType="clickEffect">
-                                  <p:stCondLst>
-                                    <p:cond delay="0"/>
-                                  </p:stCondLst>
-                                  <p:childTnLst>
-                                    <p:set>
-                                      <p:cBhvr>
-                                        <p:cTn id="21" dur="1" fill="hold">
                                           <p:stCondLst>
                                             <p:cond delay="0"/>
                                           </p:stCondLst>
@@ -6351,7 +6000,7 @@
                                     </p:set>
                                     <p:animEffect transition="in" filter="fade">
                                       <p:cBhvr>
-                                        <p:cTn id="22" dur="1000"/>
+                                        <p:cTn id="17" dur="1000"/>
                                         <p:tgtEl>
                                           <p:spTgt spid="9"/>
                                         </p:tgtEl>
@@ -6359,7 +6008,7 @@
                                     </p:animEffect>
                                     <p:anim calcmode="lin" valueType="num">
                                       <p:cBhvr>
-                                        <p:cTn id="23" dur="1000" fill="hold"/>
+                                        <p:cTn id="18" dur="1000" fill="hold"/>
                                         <p:tgtEl>
                                           <p:spTgt spid="9"/>
                                         </p:tgtEl>
@@ -6382,7 +6031,7 @@
                                     </p:anim>
                                     <p:anim calcmode="lin" valueType="num">
                                       <p:cBhvr>
-                                        <p:cTn id="24" dur="1000" fill="hold"/>
+                                        <p:cTn id="19" dur="1000" fill="hold"/>
                                         <p:tgtEl>
                                           <p:spTgt spid="9"/>
                                         </p:tgtEl>
@@ -6407,14 +6056,14 @@
                                 </p:cTn>
                               </p:par>
                               <p:par>
-                                <p:cTn id="25" presetID="42" presetClass="entr" presetSubtype="0" fill="hold" grpId="0" nodeType="withEffect">
+                                <p:cTn id="20" presetID="42" presetClass="entr" presetSubtype="0" fill="hold" grpId="0" nodeType="withEffect">
                                   <p:stCondLst>
                                     <p:cond delay="0"/>
                                   </p:stCondLst>
                                   <p:childTnLst>
                                     <p:set>
                                       <p:cBhvr>
-                                        <p:cTn id="26" dur="1" fill="hold">
+                                        <p:cTn id="21" dur="1" fill="hold">
                                           <p:stCondLst>
                                             <p:cond delay="0"/>
                                           </p:stCondLst>
@@ -6432,7 +6081,7 @@
                                     </p:set>
                                     <p:animEffect transition="in" filter="fade">
                                       <p:cBhvr>
-                                        <p:cTn id="27" dur="1000"/>
+                                        <p:cTn id="22" dur="1000"/>
                                         <p:tgtEl>
                                           <p:spTgt spid="11"/>
                                         </p:tgtEl>
@@ -6440,7 +6089,7 @@
                                     </p:animEffect>
                                     <p:anim calcmode="lin" valueType="num">
                                       <p:cBhvr>
-                                        <p:cTn id="28" dur="1000" fill="hold"/>
+                                        <p:cTn id="23" dur="1000" fill="hold"/>
                                         <p:tgtEl>
                                           <p:spTgt spid="11"/>
                                         </p:tgtEl>
@@ -6463,7 +6112,7 @@
                                     </p:anim>
                                     <p:anim calcmode="lin" valueType="num">
                                       <p:cBhvr>
-                                        <p:cTn id="29" dur="1000" fill="hold"/>
+                                        <p:cTn id="24" dur="1000" fill="hold"/>
                                         <p:tgtEl>
                                           <p:spTgt spid="11"/>
                                         </p:tgtEl>
@@ -6494,26 +6143,26 @@
                     </p:cTn>
                   </p:par>
                   <p:par>
-                    <p:cTn id="30" fill="hold">
+                    <p:cTn id="25" fill="hold">
                       <p:stCondLst>
                         <p:cond delay="indefinite"/>
                       </p:stCondLst>
                       <p:childTnLst>
                         <p:par>
-                          <p:cTn id="31" fill="hold">
+                          <p:cTn id="26" fill="hold">
                             <p:stCondLst>
                               <p:cond delay="0"/>
                             </p:stCondLst>
                             <p:childTnLst>
                               <p:par>
-                                <p:cTn id="32" presetID="42" presetClass="entr" presetSubtype="0" fill="hold" grpId="0" nodeType="clickEffect">
+                                <p:cTn id="27" presetID="42" presetClass="entr" presetSubtype="0" fill="hold" grpId="0" nodeType="clickEffect">
                                   <p:stCondLst>
                                     <p:cond delay="0"/>
                                   </p:stCondLst>
                                   <p:childTnLst>
                                     <p:set>
                                       <p:cBhvr>
-                                        <p:cTn id="33" dur="1" fill="hold">
+                                        <p:cTn id="28" dur="1" fill="hold">
                                           <p:stCondLst>
                                             <p:cond delay="0"/>
                                           </p:stCondLst>
@@ -6531,7 +6180,7 @@
                                     </p:set>
                                     <p:animEffect transition="in" filter="fade">
                                       <p:cBhvr>
-                                        <p:cTn id="34" dur="1000"/>
+                                        <p:cTn id="29" dur="1000"/>
                                         <p:tgtEl>
                                           <p:spTgt spid="10"/>
                                         </p:tgtEl>
@@ -6539,7 +6188,7 @@
                                     </p:animEffect>
                                     <p:anim calcmode="lin" valueType="num">
                                       <p:cBhvr>
-                                        <p:cTn id="35" dur="1000" fill="hold"/>
+                                        <p:cTn id="30" dur="1000" fill="hold"/>
                                         <p:tgtEl>
                                           <p:spTgt spid="10"/>
                                         </p:tgtEl>
@@ -6562,7 +6211,7 @@
                                     </p:anim>
                                     <p:anim calcmode="lin" valueType="num">
                                       <p:cBhvr>
-                                        <p:cTn id="36" dur="1000" fill="hold"/>
+                                        <p:cTn id="31" dur="1000" fill="hold"/>
                                         <p:tgtEl>
                                           <p:spTgt spid="10"/>
                                         </p:tgtEl>
@@ -6616,7 +6265,6 @@
     <p:bldLst>
       <p:bldP spid="3" grpId="0"/>
       <p:bldP spid="6" grpId="0"/>
-      <p:bldP spid="7" grpId="0"/>
       <p:bldP spid="9" grpId="0"/>
       <p:bldP spid="10" grpId="0"/>
       <p:bldP spid="11" grpId="0"/>
@@ -6948,10 +6596,10 @@
       </p:sp>
       <p:sp>
         <p:nvSpPr>
-          <p:cNvPr id="7" name="TextBox 6">
-            <a:extLst>
-              <a:ext uri="{FF2B5EF4-FFF2-40B4-BE49-F238E27FC236}">
-                <a16:creationId xmlns:a16="http://schemas.microsoft.com/office/drawing/2014/main" id="{9ADEA570-FF3A-93E3-554B-B36164415D90}"/>
+          <p:cNvPr id="9" name="TextBox 8">
+            <a:extLst>
+              <a:ext uri="{FF2B5EF4-FFF2-40B4-BE49-F238E27FC236}">
+                <a16:creationId xmlns:a16="http://schemas.microsoft.com/office/drawing/2014/main" id="{32858D8B-8E8E-0BAB-E6B4-E5A558D655B4}"/>
               </a:ext>
             </a:extLst>
           </p:cNvPr>
@@ -6960,45 +6608,7 @@
         </p:nvSpPr>
         <p:spPr>
           <a:xfrm>
-            <a:off x="4381425" y="1711565"/>
-            <a:ext cx="576208" cy="477054"/>
-          </a:xfrm>
-          <a:prstGeom prst="rect">
-            <a:avLst/>
-          </a:prstGeom>
-          <a:noFill/>
-        </p:spPr>
-        <p:txBody>
-          <a:bodyPr wrap="square" rtlCol="0">
-            <a:spAutoFit/>
-          </a:bodyPr>
-          <a:lstStyle/>
-          <a:p>
-            <a:r>
-              <a:rPr lang="en-PH" sz="2500" dirty="0">
-                <a:latin typeface="Consolas" panose="020B0609020204030204" pitchFamily="49" charset="0"/>
-              </a:rPr>
-              <a:t>()</a:t>
-            </a:r>
-            <a:endParaRPr lang="en-PH" sz="2500" dirty="0"/>
-          </a:p>
-        </p:txBody>
-      </p:sp>
-      <p:sp>
-        <p:nvSpPr>
-          <p:cNvPr id="9" name="TextBox 8">
-            <a:extLst>
-              <a:ext uri="{FF2B5EF4-FFF2-40B4-BE49-F238E27FC236}">
-                <a16:creationId xmlns:a16="http://schemas.microsoft.com/office/drawing/2014/main" id="{32858D8B-8E8E-0BAB-E6B4-E5A558D655B4}"/>
-              </a:ext>
-            </a:extLst>
-          </p:cNvPr>
-          <p:cNvSpPr txBox="1"/>
-          <p:nvPr/>
-        </p:nvSpPr>
-        <p:spPr>
-          <a:xfrm>
-            <a:off x="4957633" y="1711565"/>
+            <a:off x="4451351" y="1747232"/>
             <a:ext cx="376433" cy="477054"/>
           </a:xfrm>
           <a:prstGeom prst="rect">
@@ -7277,7 +6887,7 @@
                             </p:stCondLst>
                             <p:childTnLst>
                               <p:par>
-                                <p:cTn id="15" presetID="14" presetClass="entr" presetSubtype="10" fill="hold" grpId="0" nodeType="clickEffect">
+                                <p:cTn id="15" presetID="42" presetClass="entr" presetSubtype="0" fill="hold" grpId="0" nodeType="clickEffect">
                                   <p:stCondLst>
                                     <p:cond delay="0"/>
                                   </p:stCondLst>
@@ -7285,59 +6895,6 @@
                                     <p:set>
                                       <p:cBhvr>
                                         <p:cTn id="16" dur="1" fill="hold">
-                                          <p:stCondLst>
-                                            <p:cond delay="0"/>
-                                          </p:stCondLst>
-                                        </p:cTn>
-                                        <p:tgtEl>
-                                          <p:spTgt spid="7"/>
-                                        </p:tgtEl>
-                                        <p:attrNameLst>
-                                          <p:attrName>style.visibility</p:attrName>
-                                        </p:attrNameLst>
-                                      </p:cBhvr>
-                                      <p:to>
-                                        <p:strVal val="visible"/>
-                                      </p:to>
-                                    </p:set>
-                                    <p:animEffect transition="in" filter="randombar(horizontal)">
-                                      <p:cBhvr>
-                                        <p:cTn id="17" dur="500"/>
-                                        <p:tgtEl>
-                                          <p:spTgt spid="7"/>
-                                        </p:tgtEl>
-                                      </p:cBhvr>
-                                    </p:animEffect>
-                                  </p:childTnLst>
-                                </p:cTn>
-                              </p:par>
-                            </p:childTnLst>
-                          </p:cTn>
-                        </p:par>
-                      </p:childTnLst>
-                    </p:cTn>
-                  </p:par>
-                  <p:par>
-                    <p:cTn id="18" fill="hold">
-                      <p:stCondLst>
-                        <p:cond delay="indefinite"/>
-                      </p:stCondLst>
-                      <p:childTnLst>
-                        <p:par>
-                          <p:cTn id="19" fill="hold">
-                            <p:stCondLst>
-                              <p:cond delay="0"/>
-                            </p:stCondLst>
-                            <p:childTnLst>
-                              <p:par>
-                                <p:cTn id="20" presetID="42" presetClass="entr" presetSubtype="0" fill="hold" grpId="0" nodeType="clickEffect">
-                                  <p:stCondLst>
-                                    <p:cond delay="0"/>
-                                  </p:stCondLst>
-                                  <p:childTnLst>
-                                    <p:set>
-                                      <p:cBhvr>
-                                        <p:cTn id="21" dur="1" fill="hold">
                                           <p:stCondLst>
                                             <p:cond delay="0"/>
                                           </p:stCondLst>
@@ -7355,7 +6912,7 @@
                                     </p:set>
                                     <p:animEffect transition="in" filter="fade">
                                       <p:cBhvr>
-                                        <p:cTn id="22" dur="1000"/>
+                                        <p:cTn id="17" dur="1000"/>
                                         <p:tgtEl>
                                           <p:spTgt spid="9"/>
                                         </p:tgtEl>
@@ -7363,7 +6920,7 @@
                                     </p:animEffect>
                                     <p:anim calcmode="lin" valueType="num">
                                       <p:cBhvr>
-                                        <p:cTn id="23" dur="1000" fill="hold"/>
+                                        <p:cTn id="18" dur="1000" fill="hold"/>
                                         <p:tgtEl>
                                           <p:spTgt spid="9"/>
                                         </p:tgtEl>
@@ -7386,7 +6943,7 @@
                                     </p:anim>
                                     <p:anim calcmode="lin" valueType="num">
                                       <p:cBhvr>
-                                        <p:cTn id="24" dur="1000" fill="hold"/>
+                                        <p:cTn id="19" dur="1000" fill="hold"/>
                                         <p:tgtEl>
                                           <p:spTgt spid="9"/>
                                         </p:tgtEl>
@@ -7411,14 +6968,14 @@
                                 </p:cTn>
                               </p:par>
                               <p:par>
-                                <p:cTn id="25" presetID="42" presetClass="entr" presetSubtype="0" fill="hold" grpId="0" nodeType="withEffect">
+                                <p:cTn id="20" presetID="42" presetClass="entr" presetSubtype="0" fill="hold" grpId="0" nodeType="withEffect">
                                   <p:stCondLst>
                                     <p:cond delay="0"/>
                                   </p:stCondLst>
                                   <p:childTnLst>
                                     <p:set>
                                       <p:cBhvr>
-                                        <p:cTn id="26" dur="1" fill="hold">
+                                        <p:cTn id="21" dur="1" fill="hold">
                                           <p:stCondLst>
                                             <p:cond delay="0"/>
                                           </p:stCondLst>
@@ -7436,7 +6993,7 @@
                                     </p:set>
                                     <p:animEffect transition="in" filter="fade">
                                       <p:cBhvr>
-                                        <p:cTn id="27" dur="1000"/>
+                                        <p:cTn id="22" dur="1000"/>
                                         <p:tgtEl>
                                           <p:spTgt spid="11"/>
                                         </p:tgtEl>
@@ -7444,7 +7001,7 @@
                                     </p:animEffect>
                                     <p:anim calcmode="lin" valueType="num">
                                       <p:cBhvr>
-                                        <p:cTn id="28" dur="1000" fill="hold"/>
+                                        <p:cTn id="23" dur="1000" fill="hold"/>
                                         <p:tgtEl>
                                           <p:spTgt spid="11"/>
                                         </p:tgtEl>
@@ -7467,7 +7024,7 @@
                                     </p:anim>
                                     <p:anim calcmode="lin" valueType="num">
                                       <p:cBhvr>
-                                        <p:cTn id="29" dur="1000" fill="hold"/>
+                                        <p:cTn id="24" dur="1000" fill="hold"/>
                                         <p:tgtEl>
                                           <p:spTgt spid="11"/>
                                         </p:tgtEl>
@@ -7498,26 +7055,26 @@
                     </p:cTn>
                   </p:par>
                   <p:par>
-                    <p:cTn id="30" fill="hold">
+                    <p:cTn id="25" fill="hold">
                       <p:stCondLst>
                         <p:cond delay="indefinite"/>
                       </p:stCondLst>
                       <p:childTnLst>
                         <p:par>
-                          <p:cTn id="31" fill="hold">
+                          <p:cTn id="26" fill="hold">
                             <p:stCondLst>
                               <p:cond delay="0"/>
                             </p:stCondLst>
                             <p:childTnLst>
                               <p:par>
-                                <p:cTn id="32" presetID="42" presetClass="entr" presetSubtype="0" fill="hold" grpId="0" nodeType="clickEffect">
+                                <p:cTn id="27" presetID="42" presetClass="entr" presetSubtype="0" fill="hold" grpId="0" nodeType="clickEffect">
                                   <p:stCondLst>
                                     <p:cond delay="0"/>
                                   </p:stCondLst>
                                   <p:childTnLst>
                                     <p:set>
                                       <p:cBhvr>
-                                        <p:cTn id="33" dur="1" fill="hold">
+                                        <p:cTn id="28" dur="1" fill="hold">
                                           <p:stCondLst>
                                             <p:cond delay="0"/>
                                           </p:stCondLst>
@@ -7535,7 +7092,7 @@
                                     </p:set>
                                     <p:animEffect transition="in" filter="fade">
                                       <p:cBhvr>
-                                        <p:cTn id="34" dur="1000"/>
+                                        <p:cTn id="29" dur="1000"/>
                                         <p:tgtEl>
                                           <p:spTgt spid="10"/>
                                         </p:tgtEl>
@@ -7543,7 +7100,7 @@
                                     </p:animEffect>
                                     <p:anim calcmode="lin" valueType="num">
                                       <p:cBhvr>
-                                        <p:cTn id="35" dur="1000" fill="hold"/>
+                                        <p:cTn id="30" dur="1000" fill="hold"/>
                                         <p:tgtEl>
                                           <p:spTgt spid="10"/>
                                         </p:tgtEl>
@@ -7566,7 +7123,7 @@
                                     </p:anim>
                                     <p:anim calcmode="lin" valueType="num">
                                       <p:cBhvr>
-                                        <p:cTn id="36" dur="1000" fill="hold"/>
+                                        <p:cTn id="31" dur="1000" fill="hold"/>
                                         <p:tgtEl>
                                           <p:spTgt spid="10"/>
                                         </p:tgtEl>
@@ -7597,26 +7154,26 @@
                     </p:cTn>
                   </p:par>
                   <p:par>
-                    <p:cTn id="37" fill="hold">
+                    <p:cTn id="32" fill="hold">
                       <p:stCondLst>
                         <p:cond delay="indefinite"/>
                       </p:stCondLst>
                       <p:childTnLst>
                         <p:par>
-                          <p:cTn id="38" fill="hold">
+                          <p:cTn id="33" fill="hold">
                             <p:stCondLst>
                               <p:cond delay="0"/>
                             </p:stCondLst>
                             <p:childTnLst>
                               <p:par>
-                                <p:cTn id="39" presetID="42" presetClass="entr" presetSubtype="0" fill="hold" grpId="0" nodeType="clickEffect">
+                                <p:cTn id="34" presetID="42" presetClass="entr" presetSubtype="0" fill="hold" grpId="0" nodeType="clickEffect">
                                   <p:stCondLst>
                                     <p:cond delay="0"/>
                                   </p:stCondLst>
                                   <p:childTnLst>
                                     <p:set>
                                       <p:cBhvr>
-                                        <p:cTn id="40" dur="1" fill="hold">
+                                        <p:cTn id="35" dur="1" fill="hold">
                                           <p:stCondLst>
                                             <p:cond delay="0"/>
                                           </p:stCondLst>
@@ -7634,7 +7191,7 @@
                                     </p:set>
                                     <p:animEffect transition="in" filter="fade">
                                       <p:cBhvr>
-                                        <p:cTn id="41" dur="1000"/>
+                                        <p:cTn id="36" dur="1000"/>
                                         <p:tgtEl>
                                           <p:spTgt spid="8"/>
                                         </p:tgtEl>
@@ -7642,7 +7199,7 @@
                                     </p:animEffect>
                                     <p:anim calcmode="lin" valueType="num">
                                       <p:cBhvr>
-                                        <p:cTn id="42" dur="1000" fill="hold"/>
+                                        <p:cTn id="37" dur="1000" fill="hold"/>
                                         <p:tgtEl>
                                           <p:spTgt spid="8"/>
                                         </p:tgtEl>
@@ -7665,7 +7222,7 @@
                                     </p:anim>
                                     <p:anim calcmode="lin" valueType="num">
                                       <p:cBhvr>
-                                        <p:cTn id="43" dur="1000" fill="hold"/>
+                                        <p:cTn id="38" dur="1000" fill="hold"/>
                                         <p:tgtEl>
                                           <p:spTgt spid="8"/>
                                         </p:tgtEl>
@@ -7719,7 +7276,6 @@
     <p:bldLst>
       <p:bldP spid="3" grpId="0"/>
       <p:bldP spid="6" grpId="0"/>
-      <p:bldP spid="7" grpId="0"/>
       <p:bldP spid="9" grpId="0"/>
       <p:bldP spid="10" grpId="0"/>
       <p:bldP spid="11" grpId="0"/>
@@ -8222,12 +7778,6 @@
               </a:rPr>
               <a:t>App</a:t>
             </a:r>
-            <a:r>
-              <a:rPr lang="en-PH" sz="2500" dirty="0">
-                <a:latin typeface="Consolas" panose="020B0609020204030204" pitchFamily="49" charset="0"/>
-              </a:rPr>
-              <a:t>()</a:t>
-            </a:r>
             <a:endParaRPr lang="en-PH" sz="2500" dirty="0"/>
           </a:p>
         </p:txBody>
@@ -8246,7 +7796,7 @@
         </p:nvSpPr>
         <p:spPr>
           <a:xfrm>
-            <a:off x="3768335" y="1421344"/>
+            <a:off x="3354976" y="1388938"/>
             <a:ext cx="474943" cy="477054"/>
           </a:xfrm>
           <a:prstGeom prst="rect">
